--- a/manuscripts/SDERSvalid_crossSec/figures/plots.pptx
+++ b/manuscripts/SDERSvalid_crossSec/figures/plots.pptx
@@ -104,13 +104,18 @@
       </a:defRPr>
     </a:lvl9pPr>
   </p:defaultTextStyle>
+  <p:extLst>
+    <p:ext uri="{EFAFB233-063F-42B5-8137-9DF3F51BA10A}">
+      <p15:sldGuideLst xmlns:p15="http://schemas.microsoft.com/office/powerpoint/2012/main"/>
+    </p:ext>
+  </p:extLst>
 </p:presentation>
 </file>
 
 <file path=ppt/revisionInfo.xml><?xml version="1.0" encoding="utf-8"?>
 <p1510:revInfo xmlns:a="http://schemas.openxmlformats.org/drawingml/2006/main" xmlns:r="http://schemas.openxmlformats.org/officeDocument/2006/relationships" xmlns:p1510="http://schemas.microsoft.com/office/powerpoint/2015/10/main">
   <p1510:revLst>
-    <p1510:client id="{1DBFF395-7D86-4273-A2B7-7CF3BC2B1051}" v="16" dt="2024-09-27T15:48:22.465"/>
+    <p1510:client id="{1DBFF395-7D86-4273-A2B7-7CF3BC2B1051}" v="17" dt="2024-11-04T12:27:27.135"/>
   </p1510:revLst>
 </p1510:revInfo>
 </file>
@@ -403,7 +408,7 @@
           <a:p>
             <a:fld id="{A2EFE780-E006-4833-9982-349DD687DDA9}" type="datetimeFigureOut">
               <a:rPr lang="en-US" smtClean="0"/>
-              <a:t>9/27/2024</a:t>
+              <a:t>11/4/2024</a:t>
             </a:fld>
             <a:endParaRPr lang="en-US"/>
           </a:p>
@@ -573,7 +578,7 @@
           <a:p>
             <a:fld id="{A2EFE780-E006-4833-9982-349DD687DDA9}" type="datetimeFigureOut">
               <a:rPr lang="en-US" smtClean="0"/>
-              <a:t>9/27/2024</a:t>
+              <a:t>11/4/2024</a:t>
             </a:fld>
             <a:endParaRPr lang="en-US"/>
           </a:p>
@@ -753,7 +758,7 @@
           <a:p>
             <a:fld id="{A2EFE780-E006-4833-9982-349DD687DDA9}" type="datetimeFigureOut">
               <a:rPr lang="en-US" smtClean="0"/>
-              <a:t>9/27/2024</a:t>
+              <a:t>11/4/2024</a:t>
             </a:fld>
             <a:endParaRPr lang="en-US"/>
           </a:p>
@@ -923,7 +928,7 @@
           <a:p>
             <a:fld id="{A2EFE780-E006-4833-9982-349DD687DDA9}" type="datetimeFigureOut">
               <a:rPr lang="en-US" smtClean="0"/>
-              <a:t>9/27/2024</a:t>
+              <a:t>11/4/2024</a:t>
             </a:fld>
             <a:endParaRPr lang="en-US"/>
           </a:p>
@@ -1169,7 +1174,7 @@
           <a:p>
             <a:fld id="{A2EFE780-E006-4833-9982-349DD687DDA9}" type="datetimeFigureOut">
               <a:rPr lang="en-US" smtClean="0"/>
-              <a:t>9/27/2024</a:t>
+              <a:t>11/4/2024</a:t>
             </a:fld>
             <a:endParaRPr lang="en-US"/>
           </a:p>
@@ -1401,7 +1406,7 @@
           <a:p>
             <a:fld id="{A2EFE780-E006-4833-9982-349DD687DDA9}" type="datetimeFigureOut">
               <a:rPr lang="en-US" smtClean="0"/>
-              <a:t>9/27/2024</a:t>
+              <a:t>11/4/2024</a:t>
             </a:fld>
             <a:endParaRPr lang="en-US"/>
           </a:p>
@@ -1768,7 +1773,7 @@
           <a:p>
             <a:fld id="{A2EFE780-E006-4833-9982-349DD687DDA9}" type="datetimeFigureOut">
               <a:rPr lang="en-US" smtClean="0"/>
-              <a:t>9/27/2024</a:t>
+              <a:t>11/4/2024</a:t>
             </a:fld>
             <a:endParaRPr lang="en-US"/>
           </a:p>
@@ -1886,7 +1891,7 @@
           <a:p>
             <a:fld id="{A2EFE780-E006-4833-9982-349DD687DDA9}" type="datetimeFigureOut">
               <a:rPr lang="en-US" smtClean="0"/>
-              <a:t>9/27/2024</a:t>
+              <a:t>11/4/2024</a:t>
             </a:fld>
             <a:endParaRPr lang="en-US"/>
           </a:p>
@@ -1981,7 +1986,7 @@
           <a:p>
             <a:fld id="{A2EFE780-E006-4833-9982-349DD687DDA9}" type="datetimeFigureOut">
               <a:rPr lang="en-US" smtClean="0"/>
-              <a:t>9/27/2024</a:t>
+              <a:t>11/4/2024</a:t>
             </a:fld>
             <a:endParaRPr lang="en-US"/>
           </a:p>
@@ -2258,7 +2263,7 @@
           <a:p>
             <a:fld id="{A2EFE780-E006-4833-9982-349DD687DDA9}" type="datetimeFigureOut">
               <a:rPr lang="en-US" smtClean="0"/>
-              <a:t>9/27/2024</a:t>
+              <a:t>11/4/2024</a:t>
             </a:fld>
             <a:endParaRPr lang="en-US"/>
           </a:p>
@@ -2515,7 +2520,7 @@
           <a:p>
             <a:fld id="{A2EFE780-E006-4833-9982-349DD687DDA9}" type="datetimeFigureOut">
               <a:rPr lang="en-US" smtClean="0"/>
-              <a:t>9/27/2024</a:t>
+              <a:t>11/4/2024</a:t>
             </a:fld>
             <a:endParaRPr lang="en-US"/>
           </a:p>
@@ -2728,7 +2733,7 @@
           <a:p>
             <a:fld id="{A2EFE780-E006-4833-9982-349DD687DDA9}" type="datetimeFigureOut">
               <a:rPr lang="en-US" smtClean="0"/>
-              <a:t>9/27/2024</a:t>
+              <a:t>11/4/2024</a:t>
             </a:fld>
             <a:endParaRPr lang="en-US"/>
           </a:p>
@@ -3506,7 +3511,7 @@
           <a:lstStyle/>
           <a:p>
             <a:r>
-              <a:rPr lang="de-DE" sz="800" dirty="0" err="1">
+              <a:rPr lang="de-DE" sz="800" dirty="0">
                 <a:latin typeface="Calibri" panose="020F0502020204030204" pitchFamily="34" charset="0"/>
                 <a:ea typeface="Calibri" panose="020F0502020204030204" pitchFamily="34" charset="0"/>
                 <a:cs typeface="Calibri" panose="020F0502020204030204" pitchFamily="34" charset="0"/>
